--- a/Progetto_TCM/Progetto3.0/CommuniTEDx_3.0.pptx
+++ b/Progetto_TCM/Progetto3.0/CommuniTEDx_3.0.pptx
@@ -5,7 +5,7 @@
     <p:sldMasterId id="2147483678" r:id="rId1"/>
   </p:sldMasterIdLst>
   <p:notesMasterIdLst>
-    <p:notesMasterId r:id="rId28"/>
+    <p:notesMasterId r:id="rId30"/>
   </p:notesMasterIdLst>
   <p:sldIdLst>
     <p:sldId id="256" r:id="rId2"/>
@@ -34,43 +34,45 @@
     <p:sldId id="318" r:id="rId25"/>
     <p:sldId id="319" r:id="rId26"/>
     <p:sldId id="320" r:id="rId27"/>
+    <p:sldId id="321" r:id="rId28"/>
+    <p:sldId id="322" r:id="rId29"/>
   </p:sldIdLst>
   <p:sldSz cx="9144000" cy="5143500" type="screen16x9"/>
   <p:notesSz cx="6858000" cy="9144000"/>
   <p:embeddedFontLst>
     <p:embeddedFont>
       <p:font typeface="Manrope Light" panose="020B0604020202020204" charset="0"/>
-      <p:regular r:id="rId29"/>
-      <p:bold r:id="rId30"/>
-    </p:embeddedFont>
-    <p:embeddedFont>
-      <p:font typeface="Manrope Medium" panose="020B0604020202020204" charset="0"/>
       <p:regular r:id="rId31"/>
       <p:bold r:id="rId32"/>
     </p:embeddedFont>
     <p:embeddedFont>
-      <p:font typeface="Manrope SemiBold" panose="020B0604020202020204" charset="0"/>
+      <p:font typeface="Manrope Medium" panose="020B0604020202020204" charset="0"/>
       <p:regular r:id="rId33"/>
       <p:bold r:id="rId34"/>
     </p:embeddedFont>
     <p:embeddedFont>
-      <p:font typeface="Montserrat" panose="00000500000000000000" pitchFamily="2" charset="0"/>
+      <p:font typeface="Manrope SemiBold" panose="020B0604020202020204" charset="0"/>
       <p:regular r:id="rId35"/>
       <p:bold r:id="rId36"/>
-      <p:italic r:id="rId37"/>
-      <p:boldItalic r:id="rId38"/>
+    </p:embeddedFont>
+    <p:embeddedFont>
+      <p:font typeface="Montserrat" panose="00000500000000000000" pitchFamily="2" charset="0"/>
+      <p:regular r:id="rId37"/>
+      <p:bold r:id="rId38"/>
+      <p:italic r:id="rId39"/>
+      <p:boldItalic r:id="rId40"/>
     </p:embeddedFont>
     <p:embeddedFont>
       <p:font typeface="Nunito Light" pitchFamily="2" charset="0"/>
-      <p:regular r:id="rId39"/>
-      <p:italic r:id="rId40"/>
+      <p:regular r:id="rId41"/>
+      <p:italic r:id="rId42"/>
     </p:embeddedFont>
     <p:embeddedFont>
       <p:font typeface="Raleway" pitchFamily="2" charset="0"/>
-      <p:regular r:id="rId41"/>
-      <p:bold r:id="rId42"/>
-      <p:italic r:id="rId43"/>
-      <p:boldItalic r:id="rId44"/>
+      <p:regular r:id="rId43"/>
+      <p:bold r:id="rId44"/>
+      <p:italic r:id="rId45"/>
+      <p:boldItalic r:id="rId46"/>
     </p:embeddedFont>
   </p:embeddedFontLst>
   <p:defaultTextStyle>
@@ -39967,7 +39969,7 @@
           <a:p>
             <a:r>
               <a:rPr lang="it-IT" sz="2400" dirty="0"/>
-              <a:t>Descrizione dello script</a:t>
+              <a:t>Video suggeriti</a:t>
             </a:r>
           </a:p>
         </p:txBody>
@@ -40008,7 +40010,7 @@
                 </a:solidFill>
                 <a:latin typeface="Montserrat" panose="00000500000000000000" pitchFamily="2" charset="0"/>
               </a:rPr>
-              <a:t>Lo script relativo al job </a:t>
+              <a:t>La prima lambda </a:t>
             </a:r>
             <a:r>
               <a:rPr lang="it-IT" b="0" i="0" u="none" strike="noStrike" baseline="0" dirty="0" err="1">
@@ -40017,7 +40019,7 @@
                 </a:solidFill>
                 <a:latin typeface="Montserrat" panose="00000500000000000000" pitchFamily="2" charset="0"/>
               </a:rPr>
-              <a:t>PySpark</a:t>
+              <a:t>function</a:t>
             </a:r>
             <a:r>
               <a:rPr lang="it-IT" b="0" i="0" u="none" strike="noStrike" baseline="0" dirty="0">
@@ -40026,18 +40028,369 @@
                 </a:solidFill>
                 <a:latin typeface="Montserrat" panose="00000500000000000000" pitchFamily="2" charset="0"/>
               </a:rPr>
-              <a:t> presenta inizialmente la lettura del set di dati iniziale e il conteggio dei record che contengono un id non nullo. </a:t>
+              <a:t> permette, una volta cercato un video tramite </a:t>
             </a:r>
-            <a:endParaRPr lang="it-IT" dirty="0"/>
+            <a:r>
+              <a:rPr lang="it-IT" b="0" i="0" u="none" strike="noStrike" baseline="0" dirty="0" err="1">
+                <a:solidFill>
+                  <a:srgbClr val="252928"/>
+                </a:solidFill>
+                <a:latin typeface="Montserrat" panose="00000500000000000000" pitchFamily="2" charset="0"/>
+              </a:rPr>
+              <a:t>url</a:t>
+            </a:r>
+            <a:r>
+              <a:rPr lang="it-IT" dirty="0">
+                <a:solidFill>
+                  <a:srgbClr val="252928"/>
+                </a:solidFill>
+                <a:latin typeface="Montserrat" panose="00000500000000000000" pitchFamily="2" charset="0"/>
+              </a:rPr>
+              <a:t>, di ottenere i video correlati allo stesso.</a:t>
+            </a:r>
+          </a:p>
+          <a:p>
+            <a:pPr marL="152400" indent="0">
+              <a:buNone/>
+            </a:pPr>
+            <a:r>
+              <a:rPr lang="it-IT" b="0" i="0" u="none" strike="noStrike" baseline="0" dirty="0">
+                <a:solidFill>
+                  <a:srgbClr val="252928"/>
+                </a:solidFill>
+                <a:latin typeface="Montserrat" panose="00000500000000000000" pitchFamily="2" charset="0"/>
+              </a:rPr>
+              <a:t>La funzione fornisce id</a:t>
+            </a:r>
+            <a:r>
+              <a:rPr lang="it-IT" dirty="0">
+                <a:solidFill>
+                  <a:srgbClr val="252928"/>
+                </a:solidFill>
+                <a:latin typeface="Montserrat" panose="00000500000000000000" pitchFamily="2" charset="0"/>
+              </a:rPr>
+              <a:t> e titolo dei video suggeriti.</a:t>
+            </a:r>
+            <a:r>
+              <a:rPr lang="it-IT" b="0" i="0" u="none" strike="noStrike" baseline="0" dirty="0">
+                <a:solidFill>
+                  <a:srgbClr val="252928"/>
+                </a:solidFill>
+                <a:latin typeface="Montserrat" panose="00000500000000000000" pitchFamily="2" charset="0"/>
+              </a:rPr>
+              <a:t> </a:t>
+            </a:r>
+          </a:p>
+        </p:txBody>
+      </p:sp>
+      <p:sp>
+        <p:nvSpPr>
+          <p:cNvPr id="6" name="Segnaposto testo 2">
+            <a:extLst>
+              <a:ext uri="{FF2B5EF4-FFF2-40B4-BE49-F238E27FC236}">
+                <a16:creationId xmlns:a16="http://schemas.microsoft.com/office/drawing/2014/main" id="{5A4BB2D6-08D5-1991-D5B5-D447DD3E5E10}"/>
+              </a:ext>
+            </a:extLst>
+          </p:cNvPr>
+          <p:cNvSpPr txBox="1">
+            <a:spLocks/>
+          </p:cNvSpPr>
+          <p:nvPr/>
+        </p:nvSpPr>
+        <p:spPr>
+          <a:xfrm>
+            <a:off x="667961" y="1751018"/>
+            <a:ext cx="4379824" cy="356912"/>
+          </a:xfrm>
+          <a:prstGeom prst="rect">
+            <a:avLst/>
+          </a:prstGeom>
+          <a:noFill/>
+          <a:ln>
+            <a:noFill/>
+          </a:ln>
+        </p:spPr>
+        <p:txBody>
+          <a:bodyPr spcFirstLastPara="1" wrap="square" lIns="91425" tIns="91425" rIns="91425" bIns="91425" anchor="t" anchorCtr="0">
+            <a:noAutofit/>
+          </a:bodyPr>
+          <a:lstStyle>
+            <a:defPPr marR="0" lvl="0" algn="l" rtl="0">
+              <a:lnSpc>
+                <a:spcPct val="100000"/>
+              </a:lnSpc>
+              <a:spcBef>
+                <a:spcPts val="0"/>
+              </a:spcBef>
+              <a:spcAft>
+                <a:spcPts val="0"/>
+              </a:spcAft>
+            </a:defPPr>
+            <a:lvl1pPr marL="457200" marR="0" lvl="0" indent="-304800" algn="l" rtl="0">
+              <a:lnSpc>
+                <a:spcPct val="100000"/>
+              </a:lnSpc>
+              <a:spcBef>
+                <a:spcPts val="0"/>
+              </a:spcBef>
+              <a:spcAft>
+                <a:spcPts val="0"/>
+              </a:spcAft>
+              <a:buClr>
+                <a:schemeClr val="dk1"/>
+              </a:buClr>
+              <a:buSzPts val="1200"/>
+              <a:buFont typeface="Nunito Light"/>
+              <a:buChar char="●"/>
+              <a:defRPr sz="1200" b="0" i="0" u="none" strike="noStrike" cap="none">
+                <a:solidFill>
+                  <a:schemeClr val="dk1"/>
+                </a:solidFill>
+                <a:latin typeface="Montserrat"/>
+                <a:ea typeface="Montserrat"/>
+                <a:cs typeface="Montserrat"/>
+                <a:sym typeface="Montserrat"/>
+              </a:defRPr>
+            </a:lvl1pPr>
+            <a:lvl2pPr marL="914400" marR="0" lvl="1" indent="-304800" algn="l" rtl="0">
+              <a:lnSpc>
+                <a:spcPct val="100000"/>
+              </a:lnSpc>
+              <a:spcBef>
+                <a:spcPts val="0"/>
+              </a:spcBef>
+              <a:spcAft>
+                <a:spcPts val="0"/>
+              </a:spcAft>
+              <a:buClr>
+                <a:schemeClr val="dk1"/>
+              </a:buClr>
+              <a:buSzPts val="1200"/>
+              <a:buFont typeface="Nunito Light"/>
+              <a:buChar char="○"/>
+              <a:defRPr sz="1200" b="0" i="0" u="none" strike="noStrike" cap="none">
+                <a:solidFill>
+                  <a:schemeClr val="dk1"/>
+                </a:solidFill>
+                <a:latin typeface="Montserrat"/>
+                <a:ea typeface="Montserrat"/>
+                <a:cs typeface="Montserrat"/>
+                <a:sym typeface="Montserrat"/>
+              </a:defRPr>
+            </a:lvl2pPr>
+            <a:lvl3pPr marL="1371600" marR="0" lvl="2" indent="-304800" algn="l" rtl="0">
+              <a:lnSpc>
+                <a:spcPct val="100000"/>
+              </a:lnSpc>
+              <a:spcBef>
+                <a:spcPts val="0"/>
+              </a:spcBef>
+              <a:spcAft>
+                <a:spcPts val="0"/>
+              </a:spcAft>
+              <a:buClr>
+                <a:schemeClr val="dk1"/>
+              </a:buClr>
+              <a:buSzPts val="1200"/>
+              <a:buFont typeface="Nunito Light"/>
+              <a:buChar char="■"/>
+              <a:defRPr sz="1200" b="0" i="0" u="none" strike="noStrike" cap="none">
+                <a:solidFill>
+                  <a:schemeClr val="dk1"/>
+                </a:solidFill>
+                <a:latin typeface="Montserrat"/>
+                <a:ea typeface="Montserrat"/>
+                <a:cs typeface="Montserrat"/>
+                <a:sym typeface="Montserrat"/>
+              </a:defRPr>
+            </a:lvl3pPr>
+            <a:lvl4pPr marL="1828800" marR="0" lvl="3" indent="-304800" algn="l" rtl="0">
+              <a:lnSpc>
+                <a:spcPct val="100000"/>
+              </a:lnSpc>
+              <a:spcBef>
+                <a:spcPts val="0"/>
+              </a:spcBef>
+              <a:spcAft>
+                <a:spcPts val="0"/>
+              </a:spcAft>
+              <a:buClr>
+                <a:schemeClr val="dk1"/>
+              </a:buClr>
+              <a:buSzPts val="1200"/>
+              <a:buFont typeface="Nunito Light"/>
+              <a:buChar char="●"/>
+              <a:defRPr sz="1200" b="0" i="0" u="none" strike="noStrike" cap="none">
+                <a:solidFill>
+                  <a:schemeClr val="dk1"/>
+                </a:solidFill>
+                <a:latin typeface="Montserrat"/>
+                <a:ea typeface="Montserrat"/>
+                <a:cs typeface="Montserrat"/>
+                <a:sym typeface="Montserrat"/>
+              </a:defRPr>
+            </a:lvl4pPr>
+            <a:lvl5pPr marL="2286000" marR="0" lvl="4" indent="-304800" algn="l" rtl="0">
+              <a:lnSpc>
+                <a:spcPct val="100000"/>
+              </a:lnSpc>
+              <a:spcBef>
+                <a:spcPts val="0"/>
+              </a:spcBef>
+              <a:spcAft>
+                <a:spcPts val="0"/>
+              </a:spcAft>
+              <a:buClr>
+                <a:schemeClr val="dk1"/>
+              </a:buClr>
+              <a:buSzPts val="1200"/>
+              <a:buFont typeface="Nunito Light"/>
+              <a:buChar char="○"/>
+              <a:defRPr sz="1200" b="0" i="0" u="none" strike="noStrike" cap="none">
+                <a:solidFill>
+                  <a:schemeClr val="dk1"/>
+                </a:solidFill>
+                <a:latin typeface="Montserrat"/>
+                <a:ea typeface="Montserrat"/>
+                <a:cs typeface="Montserrat"/>
+                <a:sym typeface="Montserrat"/>
+              </a:defRPr>
+            </a:lvl5pPr>
+            <a:lvl6pPr marL="2743200" marR="0" lvl="5" indent="-304800" algn="l" rtl="0">
+              <a:lnSpc>
+                <a:spcPct val="100000"/>
+              </a:lnSpc>
+              <a:spcBef>
+                <a:spcPts val="0"/>
+              </a:spcBef>
+              <a:spcAft>
+                <a:spcPts val="0"/>
+              </a:spcAft>
+              <a:buClr>
+                <a:schemeClr val="dk1"/>
+              </a:buClr>
+              <a:buSzPts val="1200"/>
+              <a:buFont typeface="Nunito Light"/>
+              <a:buChar char="■"/>
+              <a:defRPr sz="1200" b="0" i="0" u="none" strike="noStrike" cap="none">
+                <a:solidFill>
+                  <a:schemeClr val="dk1"/>
+                </a:solidFill>
+                <a:latin typeface="Montserrat"/>
+                <a:ea typeface="Montserrat"/>
+                <a:cs typeface="Montserrat"/>
+                <a:sym typeface="Montserrat"/>
+              </a:defRPr>
+            </a:lvl6pPr>
+            <a:lvl7pPr marL="3200400" marR="0" lvl="6" indent="-304800" algn="l" rtl="0">
+              <a:lnSpc>
+                <a:spcPct val="100000"/>
+              </a:lnSpc>
+              <a:spcBef>
+                <a:spcPts val="0"/>
+              </a:spcBef>
+              <a:spcAft>
+                <a:spcPts val="0"/>
+              </a:spcAft>
+              <a:buClr>
+                <a:schemeClr val="dk1"/>
+              </a:buClr>
+              <a:buSzPts val="1200"/>
+              <a:buFont typeface="Nunito Light"/>
+              <a:buChar char="●"/>
+              <a:defRPr sz="1200" b="0" i="0" u="none" strike="noStrike" cap="none">
+                <a:solidFill>
+                  <a:schemeClr val="dk1"/>
+                </a:solidFill>
+                <a:latin typeface="Montserrat"/>
+                <a:ea typeface="Montserrat"/>
+                <a:cs typeface="Montserrat"/>
+                <a:sym typeface="Montserrat"/>
+              </a:defRPr>
+            </a:lvl7pPr>
+            <a:lvl8pPr marL="3657600" marR="0" lvl="7" indent="-304800" algn="l" rtl="0">
+              <a:lnSpc>
+                <a:spcPct val="100000"/>
+              </a:lnSpc>
+              <a:spcBef>
+                <a:spcPts val="0"/>
+              </a:spcBef>
+              <a:spcAft>
+                <a:spcPts val="0"/>
+              </a:spcAft>
+              <a:buClr>
+                <a:schemeClr val="dk1"/>
+              </a:buClr>
+              <a:buSzPts val="1200"/>
+              <a:buFont typeface="Nunito Light"/>
+              <a:buChar char="○"/>
+              <a:defRPr sz="1200" b="0" i="0" u="none" strike="noStrike" cap="none">
+                <a:solidFill>
+                  <a:schemeClr val="dk1"/>
+                </a:solidFill>
+                <a:latin typeface="Montserrat"/>
+                <a:ea typeface="Montserrat"/>
+                <a:cs typeface="Montserrat"/>
+                <a:sym typeface="Montserrat"/>
+              </a:defRPr>
+            </a:lvl8pPr>
+            <a:lvl9pPr marL="4114800" marR="0" lvl="8" indent="-304800" algn="l" rtl="0">
+              <a:lnSpc>
+                <a:spcPct val="100000"/>
+              </a:lnSpc>
+              <a:spcBef>
+                <a:spcPts val="0"/>
+              </a:spcBef>
+              <a:spcAft>
+                <a:spcPts val="0"/>
+              </a:spcAft>
+              <a:buClr>
+                <a:schemeClr val="dk1"/>
+              </a:buClr>
+              <a:buSzPts val="1200"/>
+              <a:buFont typeface="Nunito Light"/>
+              <a:buChar char="■"/>
+              <a:defRPr sz="1200" b="0" i="0" u="none" strike="noStrike" cap="none">
+                <a:solidFill>
+                  <a:schemeClr val="dk1"/>
+                </a:solidFill>
+                <a:latin typeface="Montserrat"/>
+                <a:ea typeface="Montserrat"/>
+                <a:cs typeface="Montserrat"/>
+                <a:sym typeface="Montserrat"/>
+              </a:defRPr>
+            </a:lvl9pPr>
+          </a:lstStyle>
+          <a:p>
+            <a:r>
+              <a:rPr lang="it-IT" b="1" dirty="0">
+                <a:solidFill>
+                  <a:srgbClr val="252928"/>
+                </a:solidFill>
+                <a:latin typeface="Montserrat" panose="00000500000000000000" pitchFamily="2" charset="0"/>
+              </a:rPr>
+              <a:t>Connessione al Database ( file db.js )</a:t>
+            </a:r>
+          </a:p>
+          <a:p>
+            <a:pPr marL="152400" indent="0">
+              <a:buNone/>
+            </a:pPr>
+            <a:endParaRPr lang="it-IT" dirty="0">
+              <a:solidFill>
+                <a:srgbClr val="252928"/>
+              </a:solidFill>
+              <a:latin typeface="Montserrat" panose="00000500000000000000" pitchFamily="2" charset="0"/>
+            </a:endParaRPr>
           </a:p>
         </p:txBody>
       </p:sp>
       <p:pic>
         <p:nvPicPr>
-          <p:cNvPr id="7" name="Immagine 6">
+          <p:cNvPr id="9" name="Immagine 8">
             <a:extLst>
               <a:ext uri="{FF2B5EF4-FFF2-40B4-BE49-F238E27FC236}">
-                <a16:creationId xmlns:a16="http://schemas.microsoft.com/office/drawing/2014/main" id="{C5B31AB5-C4FE-7548-8AF7-91F5AE4EBCAF}"/>
+                <a16:creationId xmlns:a16="http://schemas.microsoft.com/office/drawing/2014/main" id="{79EA799F-F418-C284-6383-9B8DD68A750B}"/>
               </a:ext>
             </a:extLst>
           </p:cNvPr>
@@ -40054,8 +40407,711 @@
         </p:blipFill>
         <p:spPr>
           <a:xfrm>
-            <a:off x="1546302" y="1873405"/>
-            <a:ext cx="5296359" cy="2636748"/>
+            <a:off x="1236201" y="2107930"/>
+            <a:ext cx="6567519" cy="2324331"/>
+          </a:xfrm>
+          <a:prstGeom prst="rect">
+            <a:avLst/>
+          </a:prstGeom>
+        </p:spPr>
+      </p:pic>
+      <p:sp>
+        <p:nvSpPr>
+          <p:cNvPr id="10" name="Segnaposto testo 2">
+            <a:extLst>
+              <a:ext uri="{FF2B5EF4-FFF2-40B4-BE49-F238E27FC236}">
+                <a16:creationId xmlns:a16="http://schemas.microsoft.com/office/drawing/2014/main" id="{324EE358-D477-80E4-BA61-F1B8544D2E92}"/>
+              </a:ext>
+            </a:extLst>
+          </p:cNvPr>
+          <p:cNvSpPr txBox="1">
+            <a:spLocks/>
+          </p:cNvSpPr>
+          <p:nvPr/>
+        </p:nvSpPr>
+        <p:spPr>
+          <a:xfrm>
+            <a:off x="1177200" y="4432261"/>
+            <a:ext cx="6730599" cy="356912"/>
+          </a:xfrm>
+          <a:prstGeom prst="rect">
+            <a:avLst/>
+          </a:prstGeom>
+          <a:noFill/>
+          <a:ln>
+            <a:noFill/>
+          </a:ln>
+        </p:spPr>
+        <p:txBody>
+          <a:bodyPr spcFirstLastPara="1" wrap="square" lIns="91425" tIns="91425" rIns="91425" bIns="91425" anchor="t" anchorCtr="0">
+            <a:noAutofit/>
+          </a:bodyPr>
+          <a:lstStyle>
+            <a:defPPr marR="0" lvl="0" algn="l" rtl="0">
+              <a:lnSpc>
+                <a:spcPct val="100000"/>
+              </a:lnSpc>
+              <a:spcBef>
+                <a:spcPts val="0"/>
+              </a:spcBef>
+              <a:spcAft>
+                <a:spcPts val="0"/>
+              </a:spcAft>
+            </a:defPPr>
+            <a:lvl1pPr marL="457200" marR="0" lvl="0" indent="-304800" algn="l" rtl="0">
+              <a:lnSpc>
+                <a:spcPct val="100000"/>
+              </a:lnSpc>
+              <a:spcBef>
+                <a:spcPts val="0"/>
+              </a:spcBef>
+              <a:spcAft>
+                <a:spcPts val="0"/>
+              </a:spcAft>
+              <a:buClr>
+                <a:schemeClr val="dk1"/>
+              </a:buClr>
+              <a:buSzPts val="1200"/>
+              <a:buFont typeface="Nunito Light"/>
+              <a:buChar char="●"/>
+              <a:defRPr sz="1200" b="0" i="0" u="none" strike="noStrike" cap="none">
+                <a:solidFill>
+                  <a:schemeClr val="dk1"/>
+                </a:solidFill>
+                <a:latin typeface="Montserrat"/>
+                <a:ea typeface="Montserrat"/>
+                <a:cs typeface="Montserrat"/>
+                <a:sym typeface="Montserrat"/>
+              </a:defRPr>
+            </a:lvl1pPr>
+            <a:lvl2pPr marL="914400" marR="0" lvl="1" indent="-304800" algn="l" rtl="0">
+              <a:lnSpc>
+                <a:spcPct val="100000"/>
+              </a:lnSpc>
+              <a:spcBef>
+                <a:spcPts val="0"/>
+              </a:spcBef>
+              <a:spcAft>
+                <a:spcPts val="0"/>
+              </a:spcAft>
+              <a:buClr>
+                <a:schemeClr val="dk1"/>
+              </a:buClr>
+              <a:buSzPts val="1200"/>
+              <a:buFont typeface="Nunito Light"/>
+              <a:buChar char="○"/>
+              <a:defRPr sz="1200" b="0" i="0" u="none" strike="noStrike" cap="none">
+                <a:solidFill>
+                  <a:schemeClr val="dk1"/>
+                </a:solidFill>
+                <a:latin typeface="Montserrat"/>
+                <a:ea typeface="Montserrat"/>
+                <a:cs typeface="Montserrat"/>
+                <a:sym typeface="Montserrat"/>
+              </a:defRPr>
+            </a:lvl2pPr>
+            <a:lvl3pPr marL="1371600" marR="0" lvl="2" indent="-304800" algn="l" rtl="0">
+              <a:lnSpc>
+                <a:spcPct val="100000"/>
+              </a:lnSpc>
+              <a:spcBef>
+                <a:spcPts val="0"/>
+              </a:spcBef>
+              <a:spcAft>
+                <a:spcPts val="0"/>
+              </a:spcAft>
+              <a:buClr>
+                <a:schemeClr val="dk1"/>
+              </a:buClr>
+              <a:buSzPts val="1200"/>
+              <a:buFont typeface="Nunito Light"/>
+              <a:buChar char="■"/>
+              <a:defRPr sz="1200" b="0" i="0" u="none" strike="noStrike" cap="none">
+                <a:solidFill>
+                  <a:schemeClr val="dk1"/>
+                </a:solidFill>
+                <a:latin typeface="Montserrat"/>
+                <a:ea typeface="Montserrat"/>
+                <a:cs typeface="Montserrat"/>
+                <a:sym typeface="Montserrat"/>
+              </a:defRPr>
+            </a:lvl3pPr>
+            <a:lvl4pPr marL="1828800" marR="0" lvl="3" indent="-304800" algn="l" rtl="0">
+              <a:lnSpc>
+                <a:spcPct val="100000"/>
+              </a:lnSpc>
+              <a:spcBef>
+                <a:spcPts val="0"/>
+              </a:spcBef>
+              <a:spcAft>
+                <a:spcPts val="0"/>
+              </a:spcAft>
+              <a:buClr>
+                <a:schemeClr val="dk1"/>
+              </a:buClr>
+              <a:buSzPts val="1200"/>
+              <a:buFont typeface="Nunito Light"/>
+              <a:buChar char="●"/>
+              <a:defRPr sz="1200" b="0" i="0" u="none" strike="noStrike" cap="none">
+                <a:solidFill>
+                  <a:schemeClr val="dk1"/>
+                </a:solidFill>
+                <a:latin typeface="Montserrat"/>
+                <a:ea typeface="Montserrat"/>
+                <a:cs typeface="Montserrat"/>
+                <a:sym typeface="Montserrat"/>
+              </a:defRPr>
+            </a:lvl4pPr>
+            <a:lvl5pPr marL="2286000" marR="0" lvl="4" indent="-304800" algn="l" rtl="0">
+              <a:lnSpc>
+                <a:spcPct val="100000"/>
+              </a:lnSpc>
+              <a:spcBef>
+                <a:spcPts val="0"/>
+              </a:spcBef>
+              <a:spcAft>
+                <a:spcPts val="0"/>
+              </a:spcAft>
+              <a:buClr>
+                <a:schemeClr val="dk1"/>
+              </a:buClr>
+              <a:buSzPts val="1200"/>
+              <a:buFont typeface="Nunito Light"/>
+              <a:buChar char="○"/>
+              <a:defRPr sz="1200" b="0" i="0" u="none" strike="noStrike" cap="none">
+                <a:solidFill>
+                  <a:schemeClr val="dk1"/>
+                </a:solidFill>
+                <a:latin typeface="Montserrat"/>
+                <a:ea typeface="Montserrat"/>
+                <a:cs typeface="Montserrat"/>
+                <a:sym typeface="Montserrat"/>
+              </a:defRPr>
+            </a:lvl5pPr>
+            <a:lvl6pPr marL="2743200" marR="0" lvl="5" indent="-304800" algn="l" rtl="0">
+              <a:lnSpc>
+                <a:spcPct val="100000"/>
+              </a:lnSpc>
+              <a:spcBef>
+                <a:spcPts val="0"/>
+              </a:spcBef>
+              <a:spcAft>
+                <a:spcPts val="0"/>
+              </a:spcAft>
+              <a:buClr>
+                <a:schemeClr val="dk1"/>
+              </a:buClr>
+              <a:buSzPts val="1200"/>
+              <a:buFont typeface="Nunito Light"/>
+              <a:buChar char="■"/>
+              <a:defRPr sz="1200" b="0" i="0" u="none" strike="noStrike" cap="none">
+                <a:solidFill>
+                  <a:schemeClr val="dk1"/>
+                </a:solidFill>
+                <a:latin typeface="Montserrat"/>
+                <a:ea typeface="Montserrat"/>
+                <a:cs typeface="Montserrat"/>
+                <a:sym typeface="Montserrat"/>
+              </a:defRPr>
+            </a:lvl6pPr>
+            <a:lvl7pPr marL="3200400" marR="0" lvl="6" indent="-304800" algn="l" rtl="0">
+              <a:lnSpc>
+                <a:spcPct val="100000"/>
+              </a:lnSpc>
+              <a:spcBef>
+                <a:spcPts val="0"/>
+              </a:spcBef>
+              <a:spcAft>
+                <a:spcPts val="0"/>
+              </a:spcAft>
+              <a:buClr>
+                <a:schemeClr val="dk1"/>
+              </a:buClr>
+              <a:buSzPts val="1200"/>
+              <a:buFont typeface="Nunito Light"/>
+              <a:buChar char="●"/>
+              <a:defRPr sz="1200" b="0" i="0" u="none" strike="noStrike" cap="none">
+                <a:solidFill>
+                  <a:schemeClr val="dk1"/>
+                </a:solidFill>
+                <a:latin typeface="Montserrat"/>
+                <a:ea typeface="Montserrat"/>
+                <a:cs typeface="Montserrat"/>
+                <a:sym typeface="Montserrat"/>
+              </a:defRPr>
+            </a:lvl7pPr>
+            <a:lvl8pPr marL="3657600" marR="0" lvl="7" indent="-304800" algn="l" rtl="0">
+              <a:lnSpc>
+                <a:spcPct val="100000"/>
+              </a:lnSpc>
+              <a:spcBef>
+                <a:spcPts val="0"/>
+              </a:spcBef>
+              <a:spcAft>
+                <a:spcPts val="0"/>
+              </a:spcAft>
+              <a:buClr>
+                <a:schemeClr val="dk1"/>
+              </a:buClr>
+              <a:buSzPts val="1200"/>
+              <a:buFont typeface="Nunito Light"/>
+              <a:buChar char="○"/>
+              <a:defRPr sz="1200" b="0" i="0" u="none" strike="noStrike" cap="none">
+                <a:solidFill>
+                  <a:schemeClr val="dk1"/>
+                </a:solidFill>
+                <a:latin typeface="Montserrat"/>
+                <a:ea typeface="Montserrat"/>
+                <a:cs typeface="Montserrat"/>
+                <a:sym typeface="Montserrat"/>
+              </a:defRPr>
+            </a:lvl8pPr>
+            <a:lvl9pPr marL="4114800" marR="0" lvl="8" indent="-304800" algn="l" rtl="0">
+              <a:lnSpc>
+                <a:spcPct val="100000"/>
+              </a:lnSpc>
+              <a:spcBef>
+                <a:spcPts val="0"/>
+              </a:spcBef>
+              <a:spcAft>
+                <a:spcPts val="0"/>
+              </a:spcAft>
+              <a:buClr>
+                <a:schemeClr val="dk1"/>
+              </a:buClr>
+              <a:buSzPts val="1200"/>
+              <a:buFont typeface="Nunito Light"/>
+              <a:buChar char="■"/>
+              <a:defRPr sz="1200" b="0" i="0" u="none" strike="noStrike" cap="none">
+                <a:solidFill>
+                  <a:schemeClr val="dk1"/>
+                </a:solidFill>
+                <a:latin typeface="Montserrat"/>
+                <a:ea typeface="Montserrat"/>
+                <a:cs typeface="Montserrat"/>
+                <a:sym typeface="Montserrat"/>
+              </a:defRPr>
+            </a:lvl9pPr>
+          </a:lstStyle>
+          <a:p>
+            <a:pPr marL="152400" indent="0">
+              <a:buFont typeface="Nunito Light"/>
+              <a:buNone/>
+            </a:pPr>
+            <a:r>
+              <a:rPr lang="it-IT" dirty="0">
+                <a:solidFill>
+                  <a:srgbClr val="252928"/>
+                </a:solidFill>
+                <a:latin typeface="Montserrat" panose="00000500000000000000" pitchFamily="2" charset="0"/>
+              </a:rPr>
+              <a:t>Nel file  . / </a:t>
+            </a:r>
+            <a:r>
+              <a:rPr lang="it-IT" dirty="0" err="1">
+                <a:solidFill>
+                  <a:srgbClr val="252928"/>
+                </a:solidFill>
+                <a:latin typeface="Montserrat" panose="00000500000000000000" pitchFamily="2" charset="0"/>
+              </a:rPr>
+              <a:t>variables.env</a:t>
+            </a:r>
+            <a:r>
+              <a:rPr lang="it-IT" dirty="0">
+                <a:solidFill>
+                  <a:srgbClr val="252928"/>
+                </a:solidFill>
+                <a:latin typeface="Montserrat" panose="00000500000000000000" pitchFamily="2" charset="0"/>
+              </a:rPr>
+              <a:t> è contenuta la stringa di connessione relativa al database</a:t>
+            </a:r>
+          </a:p>
+        </p:txBody>
+      </p:sp>
+    </p:spTree>
+    <p:extLst>
+      <p:ext uri="{BB962C8B-B14F-4D97-AF65-F5344CB8AC3E}">
+        <p14:creationId xmlns:p14="http://schemas.microsoft.com/office/powerpoint/2010/main" val="353138750"/>
+      </p:ext>
+    </p:extLst>
+  </p:cSld>
+  <p:clrMapOvr>
+    <a:masterClrMapping/>
+  </p:clrMapOvr>
+</p:sld>
+</file>
+
+<file path=ppt/slides/slide27.xml><?xml version="1.0" encoding="utf-8"?>
+<p:sld xmlns:a="http://schemas.openxmlformats.org/drawingml/2006/main" xmlns:r="http://schemas.openxmlformats.org/officeDocument/2006/relationships" xmlns:p="http://schemas.openxmlformats.org/presentationml/2006/main">
+  <p:cSld>
+    <p:spTree>
+      <p:nvGrpSpPr>
+        <p:cNvPr id="1" name=""/>
+        <p:cNvGrpSpPr/>
+        <p:nvPr/>
+      </p:nvGrpSpPr>
+      <p:grpSpPr>
+        <a:xfrm>
+          <a:off x="0" y="0"/>
+          <a:ext cx="0" cy="0"/>
+          <a:chOff x="0" y="0"/>
+          <a:chExt cx="0" cy="0"/>
+        </a:xfrm>
+      </p:grpSpPr>
+      <p:sp>
+        <p:nvSpPr>
+          <p:cNvPr id="3" name="Segnaposto testo 2">
+            <a:extLst>
+              <a:ext uri="{FF2B5EF4-FFF2-40B4-BE49-F238E27FC236}">
+                <a16:creationId xmlns:a16="http://schemas.microsoft.com/office/drawing/2014/main" id="{CD897A6C-DDB3-698D-C395-2243D7C590C1}"/>
+              </a:ext>
+            </a:extLst>
+          </p:cNvPr>
+          <p:cNvSpPr>
+            <a:spLocks noGrp="1"/>
+          </p:cNvSpPr>
+          <p:nvPr>
+            <p:ph type="body" idx="1"/>
+          </p:nvPr>
+        </p:nvSpPr>
+        <p:spPr>
+          <a:xfrm>
+            <a:off x="630790" y="429413"/>
+            <a:ext cx="3063981" cy="388343"/>
+          </a:xfrm>
+        </p:spPr>
+        <p:txBody>
+          <a:bodyPr/>
+          <a:lstStyle/>
+          <a:p>
+            <a:r>
+              <a:rPr lang="it-IT" b="1" dirty="0"/>
+              <a:t>Modello ( file Talk.js )</a:t>
+            </a:r>
+          </a:p>
+        </p:txBody>
+      </p:sp>
+      <p:sp>
+        <p:nvSpPr>
+          <p:cNvPr id="4" name="Segnaposto testo 2">
+            <a:extLst>
+              <a:ext uri="{FF2B5EF4-FFF2-40B4-BE49-F238E27FC236}">
+                <a16:creationId xmlns:a16="http://schemas.microsoft.com/office/drawing/2014/main" id="{8DC9A9C6-48DC-C621-BF91-CEDD1068E96E}"/>
+              </a:ext>
+            </a:extLst>
+          </p:cNvPr>
+          <p:cNvSpPr txBox="1">
+            <a:spLocks/>
+          </p:cNvSpPr>
+          <p:nvPr/>
+        </p:nvSpPr>
+        <p:spPr>
+          <a:xfrm>
+            <a:off x="630790" y="817756"/>
+            <a:ext cx="6602634" cy="550127"/>
+          </a:xfrm>
+          <a:prstGeom prst="rect">
+            <a:avLst/>
+          </a:prstGeom>
+          <a:noFill/>
+          <a:ln>
+            <a:noFill/>
+          </a:ln>
+        </p:spPr>
+        <p:txBody>
+          <a:bodyPr spcFirstLastPara="1" wrap="square" lIns="91425" tIns="91425" rIns="91425" bIns="91425" anchor="t" anchorCtr="0">
+            <a:noAutofit/>
+          </a:bodyPr>
+          <a:lstStyle>
+            <a:defPPr marR="0" lvl="0" algn="l" rtl="0">
+              <a:lnSpc>
+                <a:spcPct val="100000"/>
+              </a:lnSpc>
+              <a:spcBef>
+                <a:spcPts val="0"/>
+              </a:spcBef>
+              <a:spcAft>
+                <a:spcPts val="0"/>
+              </a:spcAft>
+            </a:defPPr>
+            <a:lvl1pPr marL="457200" marR="0" lvl="0" indent="-304800" algn="l" rtl="0">
+              <a:lnSpc>
+                <a:spcPct val="100000"/>
+              </a:lnSpc>
+              <a:spcBef>
+                <a:spcPts val="0"/>
+              </a:spcBef>
+              <a:spcAft>
+                <a:spcPts val="0"/>
+              </a:spcAft>
+              <a:buClr>
+                <a:schemeClr val="dk1"/>
+              </a:buClr>
+              <a:buSzPts val="1200"/>
+              <a:buFont typeface="Nunito Light"/>
+              <a:buChar char="●"/>
+              <a:defRPr sz="1200" b="0" i="0" u="none" strike="noStrike" cap="none">
+                <a:solidFill>
+                  <a:schemeClr val="dk1"/>
+                </a:solidFill>
+                <a:latin typeface="Montserrat"/>
+                <a:ea typeface="Montserrat"/>
+                <a:cs typeface="Montserrat"/>
+                <a:sym typeface="Montserrat"/>
+              </a:defRPr>
+            </a:lvl1pPr>
+            <a:lvl2pPr marL="914400" marR="0" lvl="1" indent="-304800" algn="l" rtl="0">
+              <a:lnSpc>
+                <a:spcPct val="100000"/>
+              </a:lnSpc>
+              <a:spcBef>
+                <a:spcPts val="0"/>
+              </a:spcBef>
+              <a:spcAft>
+                <a:spcPts val="0"/>
+              </a:spcAft>
+              <a:buClr>
+                <a:schemeClr val="dk1"/>
+              </a:buClr>
+              <a:buSzPts val="1200"/>
+              <a:buFont typeface="Nunito Light"/>
+              <a:buChar char="○"/>
+              <a:defRPr sz="1200" b="0" i="0" u="none" strike="noStrike" cap="none">
+                <a:solidFill>
+                  <a:schemeClr val="dk1"/>
+                </a:solidFill>
+                <a:latin typeface="Montserrat"/>
+                <a:ea typeface="Montserrat"/>
+                <a:cs typeface="Montserrat"/>
+                <a:sym typeface="Montserrat"/>
+              </a:defRPr>
+            </a:lvl2pPr>
+            <a:lvl3pPr marL="1371600" marR="0" lvl="2" indent="-304800" algn="l" rtl="0">
+              <a:lnSpc>
+                <a:spcPct val="100000"/>
+              </a:lnSpc>
+              <a:spcBef>
+                <a:spcPts val="0"/>
+              </a:spcBef>
+              <a:spcAft>
+                <a:spcPts val="0"/>
+              </a:spcAft>
+              <a:buClr>
+                <a:schemeClr val="dk1"/>
+              </a:buClr>
+              <a:buSzPts val="1200"/>
+              <a:buFont typeface="Nunito Light"/>
+              <a:buChar char="■"/>
+              <a:defRPr sz="1200" b="0" i="0" u="none" strike="noStrike" cap="none">
+                <a:solidFill>
+                  <a:schemeClr val="dk1"/>
+                </a:solidFill>
+                <a:latin typeface="Montserrat"/>
+                <a:ea typeface="Montserrat"/>
+                <a:cs typeface="Montserrat"/>
+                <a:sym typeface="Montserrat"/>
+              </a:defRPr>
+            </a:lvl3pPr>
+            <a:lvl4pPr marL="1828800" marR="0" lvl="3" indent="-304800" algn="l" rtl="0">
+              <a:lnSpc>
+                <a:spcPct val="100000"/>
+              </a:lnSpc>
+              <a:spcBef>
+                <a:spcPts val="0"/>
+              </a:spcBef>
+              <a:spcAft>
+                <a:spcPts val="0"/>
+              </a:spcAft>
+              <a:buClr>
+                <a:schemeClr val="dk1"/>
+              </a:buClr>
+              <a:buSzPts val="1200"/>
+              <a:buFont typeface="Nunito Light"/>
+              <a:buChar char="●"/>
+              <a:defRPr sz="1200" b="0" i="0" u="none" strike="noStrike" cap="none">
+                <a:solidFill>
+                  <a:schemeClr val="dk1"/>
+                </a:solidFill>
+                <a:latin typeface="Montserrat"/>
+                <a:ea typeface="Montserrat"/>
+                <a:cs typeface="Montserrat"/>
+                <a:sym typeface="Montserrat"/>
+              </a:defRPr>
+            </a:lvl4pPr>
+            <a:lvl5pPr marL="2286000" marR="0" lvl="4" indent="-304800" algn="l" rtl="0">
+              <a:lnSpc>
+                <a:spcPct val="100000"/>
+              </a:lnSpc>
+              <a:spcBef>
+                <a:spcPts val="0"/>
+              </a:spcBef>
+              <a:spcAft>
+                <a:spcPts val="0"/>
+              </a:spcAft>
+              <a:buClr>
+                <a:schemeClr val="dk1"/>
+              </a:buClr>
+              <a:buSzPts val="1200"/>
+              <a:buFont typeface="Nunito Light"/>
+              <a:buChar char="○"/>
+              <a:defRPr sz="1200" b="0" i="0" u="none" strike="noStrike" cap="none">
+                <a:solidFill>
+                  <a:schemeClr val="dk1"/>
+                </a:solidFill>
+                <a:latin typeface="Montserrat"/>
+                <a:ea typeface="Montserrat"/>
+                <a:cs typeface="Montserrat"/>
+                <a:sym typeface="Montserrat"/>
+              </a:defRPr>
+            </a:lvl5pPr>
+            <a:lvl6pPr marL="2743200" marR="0" lvl="5" indent="-304800" algn="l" rtl="0">
+              <a:lnSpc>
+                <a:spcPct val="100000"/>
+              </a:lnSpc>
+              <a:spcBef>
+                <a:spcPts val="0"/>
+              </a:spcBef>
+              <a:spcAft>
+                <a:spcPts val="0"/>
+              </a:spcAft>
+              <a:buClr>
+                <a:schemeClr val="dk1"/>
+              </a:buClr>
+              <a:buSzPts val="1200"/>
+              <a:buFont typeface="Nunito Light"/>
+              <a:buChar char="■"/>
+              <a:defRPr sz="1200" b="0" i="0" u="none" strike="noStrike" cap="none">
+                <a:solidFill>
+                  <a:schemeClr val="dk1"/>
+                </a:solidFill>
+                <a:latin typeface="Montserrat"/>
+                <a:ea typeface="Montserrat"/>
+                <a:cs typeface="Montserrat"/>
+                <a:sym typeface="Montserrat"/>
+              </a:defRPr>
+            </a:lvl6pPr>
+            <a:lvl7pPr marL="3200400" marR="0" lvl="6" indent="-304800" algn="l" rtl="0">
+              <a:lnSpc>
+                <a:spcPct val="100000"/>
+              </a:lnSpc>
+              <a:spcBef>
+                <a:spcPts val="0"/>
+              </a:spcBef>
+              <a:spcAft>
+                <a:spcPts val="0"/>
+              </a:spcAft>
+              <a:buClr>
+                <a:schemeClr val="dk1"/>
+              </a:buClr>
+              <a:buSzPts val="1200"/>
+              <a:buFont typeface="Nunito Light"/>
+              <a:buChar char="●"/>
+              <a:defRPr sz="1200" b="0" i="0" u="none" strike="noStrike" cap="none">
+                <a:solidFill>
+                  <a:schemeClr val="dk1"/>
+                </a:solidFill>
+                <a:latin typeface="Montserrat"/>
+                <a:ea typeface="Montserrat"/>
+                <a:cs typeface="Montserrat"/>
+                <a:sym typeface="Montserrat"/>
+              </a:defRPr>
+            </a:lvl7pPr>
+            <a:lvl8pPr marL="3657600" marR="0" lvl="7" indent="-304800" algn="l" rtl="0">
+              <a:lnSpc>
+                <a:spcPct val="100000"/>
+              </a:lnSpc>
+              <a:spcBef>
+                <a:spcPts val="0"/>
+              </a:spcBef>
+              <a:spcAft>
+                <a:spcPts val="0"/>
+              </a:spcAft>
+              <a:buClr>
+                <a:schemeClr val="dk1"/>
+              </a:buClr>
+              <a:buSzPts val="1200"/>
+              <a:buFont typeface="Nunito Light"/>
+              <a:buChar char="○"/>
+              <a:defRPr sz="1200" b="0" i="0" u="none" strike="noStrike" cap="none">
+                <a:solidFill>
+                  <a:schemeClr val="dk1"/>
+                </a:solidFill>
+                <a:latin typeface="Montserrat"/>
+                <a:ea typeface="Montserrat"/>
+                <a:cs typeface="Montserrat"/>
+                <a:sym typeface="Montserrat"/>
+              </a:defRPr>
+            </a:lvl8pPr>
+            <a:lvl9pPr marL="4114800" marR="0" lvl="8" indent="-304800" algn="l" rtl="0">
+              <a:lnSpc>
+                <a:spcPct val="100000"/>
+              </a:lnSpc>
+              <a:spcBef>
+                <a:spcPts val="0"/>
+              </a:spcBef>
+              <a:spcAft>
+                <a:spcPts val="0"/>
+              </a:spcAft>
+              <a:buClr>
+                <a:schemeClr val="dk1"/>
+              </a:buClr>
+              <a:buSzPts val="1200"/>
+              <a:buFont typeface="Nunito Light"/>
+              <a:buChar char="■"/>
+              <a:defRPr sz="1200" b="0" i="0" u="none" strike="noStrike" cap="none">
+                <a:solidFill>
+                  <a:schemeClr val="dk1"/>
+                </a:solidFill>
+                <a:latin typeface="Montserrat"/>
+                <a:ea typeface="Montserrat"/>
+                <a:cs typeface="Montserrat"/>
+                <a:sym typeface="Montserrat"/>
+              </a:defRPr>
+            </a:lvl9pPr>
+          </a:lstStyle>
+          <a:p>
+            <a:pPr marL="152400" indent="0">
+              <a:buNone/>
+            </a:pPr>
+            <a:r>
+              <a:rPr lang="it-IT" dirty="0"/>
+              <a:t>Il documento </a:t>
+            </a:r>
+            <a:r>
+              <a:rPr lang="it-IT" dirty="0" err="1"/>
+              <a:t>MongoDB</a:t>
+            </a:r>
+            <a:r>
+              <a:rPr lang="it-IT" dirty="0"/>
+              <a:t> viene mappato e vengono selezionati solo gli attributi utili ai fini del progetto</a:t>
+            </a:r>
+          </a:p>
+        </p:txBody>
+      </p:sp>
+      <p:pic>
+        <p:nvPicPr>
+          <p:cNvPr id="6" name="Immagine 5">
+            <a:extLst>
+              <a:ext uri="{FF2B5EF4-FFF2-40B4-BE49-F238E27FC236}">
+                <a16:creationId xmlns:a16="http://schemas.microsoft.com/office/drawing/2014/main" id="{409BAA28-96BB-DB6F-913B-E88D7BADDC88}"/>
+              </a:ext>
+            </a:extLst>
+          </p:cNvPr>
+          <p:cNvPicPr>
+            <a:picLocks noChangeAspect="1"/>
+          </p:cNvPicPr>
+          <p:nvPr/>
+        </p:nvPicPr>
+        <p:blipFill>
+          <a:blip r:embed="rId2"/>
+          <a:stretch>
+            <a:fillRect/>
+          </a:stretch>
+        </p:blipFill>
+        <p:spPr>
+          <a:xfrm>
+            <a:off x="1407027" y="1367883"/>
+            <a:ext cx="3787468" cy="2613887"/>
           </a:xfrm>
           <a:prstGeom prst="rect">
             <a:avLst/>
@@ -40065,7 +41121,707 @@
     </p:spTree>
     <p:extLst>
       <p:ext uri="{BB962C8B-B14F-4D97-AF65-F5344CB8AC3E}">
-        <p14:creationId xmlns:p14="http://schemas.microsoft.com/office/powerpoint/2010/main" val="353138750"/>
+        <p14:creationId xmlns:p14="http://schemas.microsoft.com/office/powerpoint/2010/main" val="1427690532"/>
+      </p:ext>
+    </p:extLst>
+  </p:cSld>
+  <p:clrMapOvr>
+    <a:masterClrMapping/>
+  </p:clrMapOvr>
+</p:sld>
+</file>
+
+<file path=ppt/slides/slide28.xml><?xml version="1.0" encoding="utf-8"?>
+<p:sld xmlns:a="http://schemas.openxmlformats.org/drawingml/2006/main" xmlns:r="http://schemas.openxmlformats.org/officeDocument/2006/relationships" xmlns:p="http://schemas.openxmlformats.org/presentationml/2006/main">
+  <p:cSld>
+    <p:spTree>
+      <p:nvGrpSpPr>
+        <p:cNvPr id="1" name=""/>
+        <p:cNvGrpSpPr/>
+        <p:nvPr/>
+      </p:nvGrpSpPr>
+      <p:grpSpPr>
+        <a:xfrm>
+          <a:off x="0" y="0"/>
+          <a:ext cx="0" cy="0"/>
+          <a:chOff x="0" y="0"/>
+          <a:chExt cx="0" cy="0"/>
+        </a:xfrm>
+      </p:grpSpPr>
+      <p:sp>
+        <p:nvSpPr>
+          <p:cNvPr id="3" name="Segnaposto testo 2">
+            <a:extLst>
+              <a:ext uri="{FF2B5EF4-FFF2-40B4-BE49-F238E27FC236}">
+                <a16:creationId xmlns:a16="http://schemas.microsoft.com/office/drawing/2014/main" id="{CD897A6C-DDB3-698D-C395-2243D7C590C1}"/>
+              </a:ext>
+            </a:extLst>
+          </p:cNvPr>
+          <p:cNvSpPr>
+            <a:spLocks noGrp="1"/>
+          </p:cNvSpPr>
+          <p:nvPr>
+            <p:ph type="body" idx="1"/>
+          </p:nvPr>
+        </p:nvSpPr>
+        <p:spPr>
+          <a:xfrm>
+            <a:off x="630790" y="429413"/>
+            <a:ext cx="3762790" cy="388343"/>
+          </a:xfrm>
+        </p:spPr>
+        <p:txBody>
+          <a:bodyPr/>
+          <a:lstStyle/>
+          <a:p>
+            <a:r>
+              <a:rPr lang="it-IT" b="1" dirty="0"/>
+              <a:t>Elaborazione dati ( file Handler.js )</a:t>
+            </a:r>
+          </a:p>
+        </p:txBody>
+      </p:sp>
+      <p:sp>
+        <p:nvSpPr>
+          <p:cNvPr id="4" name="Segnaposto testo 2">
+            <a:extLst>
+              <a:ext uri="{FF2B5EF4-FFF2-40B4-BE49-F238E27FC236}">
+                <a16:creationId xmlns:a16="http://schemas.microsoft.com/office/drawing/2014/main" id="{8DC9A9C6-48DC-C621-BF91-CEDD1068E96E}"/>
+              </a:ext>
+            </a:extLst>
+          </p:cNvPr>
+          <p:cNvSpPr txBox="1">
+            <a:spLocks/>
+          </p:cNvSpPr>
+          <p:nvPr/>
+        </p:nvSpPr>
+        <p:spPr>
+          <a:xfrm>
+            <a:off x="630790" y="817756"/>
+            <a:ext cx="6602634" cy="676507"/>
+          </a:xfrm>
+          <a:prstGeom prst="rect">
+            <a:avLst/>
+          </a:prstGeom>
+          <a:noFill/>
+          <a:ln>
+            <a:noFill/>
+          </a:ln>
+        </p:spPr>
+        <p:txBody>
+          <a:bodyPr spcFirstLastPara="1" wrap="square" lIns="91425" tIns="91425" rIns="91425" bIns="91425" anchor="t" anchorCtr="0">
+            <a:noAutofit/>
+          </a:bodyPr>
+          <a:lstStyle>
+            <a:defPPr marR="0" lvl="0" algn="l" rtl="0">
+              <a:lnSpc>
+                <a:spcPct val="100000"/>
+              </a:lnSpc>
+              <a:spcBef>
+                <a:spcPts val="0"/>
+              </a:spcBef>
+              <a:spcAft>
+                <a:spcPts val="0"/>
+              </a:spcAft>
+            </a:defPPr>
+            <a:lvl1pPr marL="457200" marR="0" lvl="0" indent="-304800" algn="l" rtl="0">
+              <a:lnSpc>
+                <a:spcPct val="100000"/>
+              </a:lnSpc>
+              <a:spcBef>
+                <a:spcPts val="0"/>
+              </a:spcBef>
+              <a:spcAft>
+                <a:spcPts val="0"/>
+              </a:spcAft>
+              <a:buClr>
+                <a:schemeClr val="dk1"/>
+              </a:buClr>
+              <a:buSzPts val="1200"/>
+              <a:buFont typeface="Nunito Light"/>
+              <a:buChar char="●"/>
+              <a:defRPr sz="1200" b="0" i="0" u="none" strike="noStrike" cap="none">
+                <a:solidFill>
+                  <a:schemeClr val="dk1"/>
+                </a:solidFill>
+                <a:latin typeface="Montserrat"/>
+                <a:ea typeface="Montserrat"/>
+                <a:cs typeface="Montserrat"/>
+                <a:sym typeface="Montserrat"/>
+              </a:defRPr>
+            </a:lvl1pPr>
+            <a:lvl2pPr marL="914400" marR="0" lvl="1" indent="-304800" algn="l" rtl="0">
+              <a:lnSpc>
+                <a:spcPct val="100000"/>
+              </a:lnSpc>
+              <a:spcBef>
+                <a:spcPts val="0"/>
+              </a:spcBef>
+              <a:spcAft>
+                <a:spcPts val="0"/>
+              </a:spcAft>
+              <a:buClr>
+                <a:schemeClr val="dk1"/>
+              </a:buClr>
+              <a:buSzPts val="1200"/>
+              <a:buFont typeface="Nunito Light"/>
+              <a:buChar char="○"/>
+              <a:defRPr sz="1200" b="0" i="0" u="none" strike="noStrike" cap="none">
+                <a:solidFill>
+                  <a:schemeClr val="dk1"/>
+                </a:solidFill>
+                <a:latin typeface="Montserrat"/>
+                <a:ea typeface="Montserrat"/>
+                <a:cs typeface="Montserrat"/>
+                <a:sym typeface="Montserrat"/>
+              </a:defRPr>
+            </a:lvl2pPr>
+            <a:lvl3pPr marL="1371600" marR="0" lvl="2" indent="-304800" algn="l" rtl="0">
+              <a:lnSpc>
+                <a:spcPct val="100000"/>
+              </a:lnSpc>
+              <a:spcBef>
+                <a:spcPts val="0"/>
+              </a:spcBef>
+              <a:spcAft>
+                <a:spcPts val="0"/>
+              </a:spcAft>
+              <a:buClr>
+                <a:schemeClr val="dk1"/>
+              </a:buClr>
+              <a:buSzPts val="1200"/>
+              <a:buFont typeface="Nunito Light"/>
+              <a:buChar char="■"/>
+              <a:defRPr sz="1200" b="0" i="0" u="none" strike="noStrike" cap="none">
+                <a:solidFill>
+                  <a:schemeClr val="dk1"/>
+                </a:solidFill>
+                <a:latin typeface="Montserrat"/>
+                <a:ea typeface="Montserrat"/>
+                <a:cs typeface="Montserrat"/>
+                <a:sym typeface="Montserrat"/>
+              </a:defRPr>
+            </a:lvl3pPr>
+            <a:lvl4pPr marL="1828800" marR="0" lvl="3" indent="-304800" algn="l" rtl="0">
+              <a:lnSpc>
+                <a:spcPct val="100000"/>
+              </a:lnSpc>
+              <a:spcBef>
+                <a:spcPts val="0"/>
+              </a:spcBef>
+              <a:spcAft>
+                <a:spcPts val="0"/>
+              </a:spcAft>
+              <a:buClr>
+                <a:schemeClr val="dk1"/>
+              </a:buClr>
+              <a:buSzPts val="1200"/>
+              <a:buFont typeface="Nunito Light"/>
+              <a:buChar char="●"/>
+              <a:defRPr sz="1200" b="0" i="0" u="none" strike="noStrike" cap="none">
+                <a:solidFill>
+                  <a:schemeClr val="dk1"/>
+                </a:solidFill>
+                <a:latin typeface="Montserrat"/>
+                <a:ea typeface="Montserrat"/>
+                <a:cs typeface="Montserrat"/>
+                <a:sym typeface="Montserrat"/>
+              </a:defRPr>
+            </a:lvl4pPr>
+            <a:lvl5pPr marL="2286000" marR="0" lvl="4" indent="-304800" algn="l" rtl="0">
+              <a:lnSpc>
+                <a:spcPct val="100000"/>
+              </a:lnSpc>
+              <a:spcBef>
+                <a:spcPts val="0"/>
+              </a:spcBef>
+              <a:spcAft>
+                <a:spcPts val="0"/>
+              </a:spcAft>
+              <a:buClr>
+                <a:schemeClr val="dk1"/>
+              </a:buClr>
+              <a:buSzPts val="1200"/>
+              <a:buFont typeface="Nunito Light"/>
+              <a:buChar char="○"/>
+              <a:defRPr sz="1200" b="0" i="0" u="none" strike="noStrike" cap="none">
+                <a:solidFill>
+                  <a:schemeClr val="dk1"/>
+                </a:solidFill>
+                <a:latin typeface="Montserrat"/>
+                <a:ea typeface="Montserrat"/>
+                <a:cs typeface="Montserrat"/>
+                <a:sym typeface="Montserrat"/>
+              </a:defRPr>
+            </a:lvl5pPr>
+            <a:lvl6pPr marL="2743200" marR="0" lvl="5" indent="-304800" algn="l" rtl="0">
+              <a:lnSpc>
+                <a:spcPct val="100000"/>
+              </a:lnSpc>
+              <a:spcBef>
+                <a:spcPts val="0"/>
+              </a:spcBef>
+              <a:spcAft>
+                <a:spcPts val="0"/>
+              </a:spcAft>
+              <a:buClr>
+                <a:schemeClr val="dk1"/>
+              </a:buClr>
+              <a:buSzPts val="1200"/>
+              <a:buFont typeface="Nunito Light"/>
+              <a:buChar char="■"/>
+              <a:defRPr sz="1200" b="0" i="0" u="none" strike="noStrike" cap="none">
+                <a:solidFill>
+                  <a:schemeClr val="dk1"/>
+                </a:solidFill>
+                <a:latin typeface="Montserrat"/>
+                <a:ea typeface="Montserrat"/>
+                <a:cs typeface="Montserrat"/>
+                <a:sym typeface="Montserrat"/>
+              </a:defRPr>
+            </a:lvl6pPr>
+            <a:lvl7pPr marL="3200400" marR="0" lvl="6" indent="-304800" algn="l" rtl="0">
+              <a:lnSpc>
+                <a:spcPct val="100000"/>
+              </a:lnSpc>
+              <a:spcBef>
+                <a:spcPts val="0"/>
+              </a:spcBef>
+              <a:spcAft>
+                <a:spcPts val="0"/>
+              </a:spcAft>
+              <a:buClr>
+                <a:schemeClr val="dk1"/>
+              </a:buClr>
+              <a:buSzPts val="1200"/>
+              <a:buFont typeface="Nunito Light"/>
+              <a:buChar char="●"/>
+              <a:defRPr sz="1200" b="0" i="0" u="none" strike="noStrike" cap="none">
+                <a:solidFill>
+                  <a:schemeClr val="dk1"/>
+                </a:solidFill>
+                <a:latin typeface="Montserrat"/>
+                <a:ea typeface="Montserrat"/>
+                <a:cs typeface="Montserrat"/>
+                <a:sym typeface="Montserrat"/>
+              </a:defRPr>
+            </a:lvl7pPr>
+            <a:lvl8pPr marL="3657600" marR="0" lvl="7" indent="-304800" algn="l" rtl="0">
+              <a:lnSpc>
+                <a:spcPct val="100000"/>
+              </a:lnSpc>
+              <a:spcBef>
+                <a:spcPts val="0"/>
+              </a:spcBef>
+              <a:spcAft>
+                <a:spcPts val="0"/>
+              </a:spcAft>
+              <a:buClr>
+                <a:schemeClr val="dk1"/>
+              </a:buClr>
+              <a:buSzPts val="1200"/>
+              <a:buFont typeface="Nunito Light"/>
+              <a:buChar char="○"/>
+              <a:defRPr sz="1200" b="0" i="0" u="none" strike="noStrike" cap="none">
+                <a:solidFill>
+                  <a:schemeClr val="dk1"/>
+                </a:solidFill>
+                <a:latin typeface="Montserrat"/>
+                <a:ea typeface="Montserrat"/>
+                <a:cs typeface="Montserrat"/>
+                <a:sym typeface="Montserrat"/>
+              </a:defRPr>
+            </a:lvl8pPr>
+            <a:lvl9pPr marL="4114800" marR="0" lvl="8" indent="-304800" algn="l" rtl="0">
+              <a:lnSpc>
+                <a:spcPct val="100000"/>
+              </a:lnSpc>
+              <a:spcBef>
+                <a:spcPts val="0"/>
+              </a:spcBef>
+              <a:spcAft>
+                <a:spcPts val="0"/>
+              </a:spcAft>
+              <a:buClr>
+                <a:schemeClr val="dk1"/>
+              </a:buClr>
+              <a:buSzPts val="1200"/>
+              <a:buFont typeface="Nunito Light"/>
+              <a:buChar char="■"/>
+              <a:defRPr sz="1200" b="0" i="0" u="none" strike="noStrike" cap="none">
+                <a:solidFill>
+                  <a:schemeClr val="dk1"/>
+                </a:solidFill>
+                <a:latin typeface="Montserrat"/>
+                <a:ea typeface="Montserrat"/>
+                <a:cs typeface="Montserrat"/>
+                <a:sym typeface="Montserrat"/>
+              </a:defRPr>
+            </a:lvl9pPr>
+          </a:lstStyle>
+          <a:p>
+            <a:pPr marL="152400" indent="0">
+              <a:buNone/>
+            </a:pPr>
+            <a:r>
+              <a:rPr lang="it-IT" dirty="0"/>
+              <a:t>Infine vengono elaborati i dati presenti su </a:t>
+            </a:r>
+            <a:r>
+              <a:rPr lang="it-IT" dirty="0" err="1"/>
+              <a:t>MongoDB</a:t>
+            </a:r>
+            <a:r>
+              <a:rPr lang="it-IT" dirty="0"/>
+              <a:t> per ottenere da un determinato </a:t>
+            </a:r>
+            <a:r>
+              <a:rPr lang="it-IT" dirty="0" err="1"/>
+              <a:t>url</a:t>
+            </a:r>
+            <a:r>
+              <a:rPr lang="it-IT" dirty="0"/>
+              <a:t> (relativo ad un video </a:t>
+            </a:r>
+            <a:r>
+              <a:rPr lang="it-IT" dirty="0" err="1"/>
+              <a:t>Tedx</a:t>
+            </a:r>
+            <a:r>
+              <a:rPr lang="it-IT" dirty="0"/>
+              <a:t>) la serie di </a:t>
+            </a:r>
+            <a:r>
+              <a:rPr lang="it-IT" dirty="0" err="1"/>
+              <a:t>identivicativi</a:t>
+            </a:r>
+            <a:r>
+              <a:rPr lang="it-IT" dirty="0"/>
+              <a:t> (id) e titoli dei video correlati</a:t>
+            </a:r>
+          </a:p>
+        </p:txBody>
+      </p:sp>
+      <p:sp>
+        <p:nvSpPr>
+          <p:cNvPr id="8" name="Segnaposto testo 2">
+            <a:extLst>
+              <a:ext uri="{FF2B5EF4-FFF2-40B4-BE49-F238E27FC236}">
+                <a16:creationId xmlns:a16="http://schemas.microsoft.com/office/drawing/2014/main" id="{979216AC-8BED-B1A1-589E-A111220A7A7C}"/>
+              </a:ext>
+            </a:extLst>
+          </p:cNvPr>
+          <p:cNvSpPr txBox="1">
+            <a:spLocks/>
+          </p:cNvSpPr>
+          <p:nvPr/>
+        </p:nvSpPr>
+        <p:spPr>
+          <a:xfrm>
+            <a:off x="4467922" y="1602058"/>
+            <a:ext cx="4241180" cy="1587190"/>
+          </a:xfrm>
+          <a:prstGeom prst="rect">
+            <a:avLst/>
+          </a:prstGeom>
+          <a:noFill/>
+          <a:ln>
+            <a:noFill/>
+          </a:ln>
+        </p:spPr>
+        <p:txBody>
+          <a:bodyPr spcFirstLastPara="1" wrap="square" lIns="91425" tIns="91425" rIns="91425" bIns="91425" anchor="t" anchorCtr="0">
+            <a:noAutofit/>
+          </a:bodyPr>
+          <a:lstStyle>
+            <a:defPPr marR="0" lvl="0" algn="l" rtl="0">
+              <a:lnSpc>
+                <a:spcPct val="100000"/>
+              </a:lnSpc>
+              <a:spcBef>
+                <a:spcPts val="0"/>
+              </a:spcBef>
+              <a:spcAft>
+                <a:spcPts val="0"/>
+              </a:spcAft>
+            </a:defPPr>
+            <a:lvl1pPr marL="457200" marR="0" lvl="0" indent="-304800" algn="l" rtl="0">
+              <a:lnSpc>
+                <a:spcPct val="100000"/>
+              </a:lnSpc>
+              <a:spcBef>
+                <a:spcPts val="0"/>
+              </a:spcBef>
+              <a:spcAft>
+                <a:spcPts val="0"/>
+              </a:spcAft>
+              <a:buClr>
+                <a:schemeClr val="dk1"/>
+              </a:buClr>
+              <a:buSzPts val="1200"/>
+              <a:buFont typeface="Nunito Light"/>
+              <a:buChar char="●"/>
+              <a:defRPr sz="1200" b="0" i="0" u="none" strike="noStrike" cap="none">
+                <a:solidFill>
+                  <a:schemeClr val="dk1"/>
+                </a:solidFill>
+                <a:latin typeface="Montserrat"/>
+                <a:ea typeface="Montserrat"/>
+                <a:cs typeface="Montserrat"/>
+                <a:sym typeface="Montserrat"/>
+              </a:defRPr>
+            </a:lvl1pPr>
+            <a:lvl2pPr marL="914400" marR="0" lvl="1" indent="-304800" algn="l" rtl="0">
+              <a:lnSpc>
+                <a:spcPct val="100000"/>
+              </a:lnSpc>
+              <a:spcBef>
+                <a:spcPts val="0"/>
+              </a:spcBef>
+              <a:spcAft>
+                <a:spcPts val="0"/>
+              </a:spcAft>
+              <a:buClr>
+                <a:schemeClr val="dk1"/>
+              </a:buClr>
+              <a:buSzPts val="1200"/>
+              <a:buFont typeface="Nunito Light"/>
+              <a:buChar char="○"/>
+              <a:defRPr sz="1200" b="0" i="0" u="none" strike="noStrike" cap="none">
+                <a:solidFill>
+                  <a:schemeClr val="dk1"/>
+                </a:solidFill>
+                <a:latin typeface="Montserrat"/>
+                <a:ea typeface="Montserrat"/>
+                <a:cs typeface="Montserrat"/>
+                <a:sym typeface="Montserrat"/>
+              </a:defRPr>
+            </a:lvl2pPr>
+            <a:lvl3pPr marL="1371600" marR="0" lvl="2" indent="-304800" algn="l" rtl="0">
+              <a:lnSpc>
+                <a:spcPct val="100000"/>
+              </a:lnSpc>
+              <a:spcBef>
+                <a:spcPts val="0"/>
+              </a:spcBef>
+              <a:spcAft>
+                <a:spcPts val="0"/>
+              </a:spcAft>
+              <a:buClr>
+                <a:schemeClr val="dk1"/>
+              </a:buClr>
+              <a:buSzPts val="1200"/>
+              <a:buFont typeface="Nunito Light"/>
+              <a:buChar char="■"/>
+              <a:defRPr sz="1200" b="0" i="0" u="none" strike="noStrike" cap="none">
+                <a:solidFill>
+                  <a:schemeClr val="dk1"/>
+                </a:solidFill>
+                <a:latin typeface="Montserrat"/>
+                <a:ea typeface="Montserrat"/>
+                <a:cs typeface="Montserrat"/>
+                <a:sym typeface="Montserrat"/>
+              </a:defRPr>
+            </a:lvl3pPr>
+            <a:lvl4pPr marL="1828800" marR="0" lvl="3" indent="-304800" algn="l" rtl="0">
+              <a:lnSpc>
+                <a:spcPct val="100000"/>
+              </a:lnSpc>
+              <a:spcBef>
+                <a:spcPts val="0"/>
+              </a:spcBef>
+              <a:spcAft>
+                <a:spcPts val="0"/>
+              </a:spcAft>
+              <a:buClr>
+                <a:schemeClr val="dk1"/>
+              </a:buClr>
+              <a:buSzPts val="1200"/>
+              <a:buFont typeface="Nunito Light"/>
+              <a:buChar char="●"/>
+              <a:defRPr sz="1200" b="0" i="0" u="none" strike="noStrike" cap="none">
+                <a:solidFill>
+                  <a:schemeClr val="dk1"/>
+                </a:solidFill>
+                <a:latin typeface="Montserrat"/>
+                <a:ea typeface="Montserrat"/>
+                <a:cs typeface="Montserrat"/>
+                <a:sym typeface="Montserrat"/>
+              </a:defRPr>
+            </a:lvl4pPr>
+            <a:lvl5pPr marL="2286000" marR="0" lvl="4" indent="-304800" algn="l" rtl="0">
+              <a:lnSpc>
+                <a:spcPct val="100000"/>
+              </a:lnSpc>
+              <a:spcBef>
+                <a:spcPts val="0"/>
+              </a:spcBef>
+              <a:spcAft>
+                <a:spcPts val="0"/>
+              </a:spcAft>
+              <a:buClr>
+                <a:schemeClr val="dk1"/>
+              </a:buClr>
+              <a:buSzPts val="1200"/>
+              <a:buFont typeface="Nunito Light"/>
+              <a:buChar char="○"/>
+              <a:defRPr sz="1200" b="0" i="0" u="none" strike="noStrike" cap="none">
+                <a:solidFill>
+                  <a:schemeClr val="dk1"/>
+                </a:solidFill>
+                <a:latin typeface="Montserrat"/>
+                <a:ea typeface="Montserrat"/>
+                <a:cs typeface="Montserrat"/>
+                <a:sym typeface="Montserrat"/>
+              </a:defRPr>
+            </a:lvl5pPr>
+            <a:lvl6pPr marL="2743200" marR="0" lvl="5" indent="-304800" algn="l" rtl="0">
+              <a:lnSpc>
+                <a:spcPct val="100000"/>
+              </a:lnSpc>
+              <a:spcBef>
+                <a:spcPts val="0"/>
+              </a:spcBef>
+              <a:spcAft>
+                <a:spcPts val="0"/>
+              </a:spcAft>
+              <a:buClr>
+                <a:schemeClr val="dk1"/>
+              </a:buClr>
+              <a:buSzPts val="1200"/>
+              <a:buFont typeface="Nunito Light"/>
+              <a:buChar char="■"/>
+              <a:defRPr sz="1200" b="0" i="0" u="none" strike="noStrike" cap="none">
+                <a:solidFill>
+                  <a:schemeClr val="dk1"/>
+                </a:solidFill>
+                <a:latin typeface="Montserrat"/>
+                <a:ea typeface="Montserrat"/>
+                <a:cs typeface="Montserrat"/>
+                <a:sym typeface="Montserrat"/>
+              </a:defRPr>
+            </a:lvl6pPr>
+            <a:lvl7pPr marL="3200400" marR="0" lvl="6" indent="-304800" algn="l" rtl="0">
+              <a:lnSpc>
+                <a:spcPct val="100000"/>
+              </a:lnSpc>
+              <a:spcBef>
+                <a:spcPts val="0"/>
+              </a:spcBef>
+              <a:spcAft>
+                <a:spcPts val="0"/>
+              </a:spcAft>
+              <a:buClr>
+                <a:schemeClr val="dk1"/>
+              </a:buClr>
+              <a:buSzPts val="1200"/>
+              <a:buFont typeface="Nunito Light"/>
+              <a:buChar char="●"/>
+              <a:defRPr sz="1200" b="0" i="0" u="none" strike="noStrike" cap="none">
+                <a:solidFill>
+                  <a:schemeClr val="dk1"/>
+                </a:solidFill>
+                <a:latin typeface="Montserrat"/>
+                <a:ea typeface="Montserrat"/>
+                <a:cs typeface="Montserrat"/>
+                <a:sym typeface="Montserrat"/>
+              </a:defRPr>
+            </a:lvl7pPr>
+            <a:lvl8pPr marL="3657600" marR="0" lvl="7" indent="-304800" algn="l" rtl="0">
+              <a:lnSpc>
+                <a:spcPct val="100000"/>
+              </a:lnSpc>
+              <a:spcBef>
+                <a:spcPts val="0"/>
+              </a:spcBef>
+              <a:spcAft>
+                <a:spcPts val="0"/>
+              </a:spcAft>
+              <a:buClr>
+                <a:schemeClr val="dk1"/>
+              </a:buClr>
+              <a:buSzPts val="1200"/>
+              <a:buFont typeface="Nunito Light"/>
+              <a:buChar char="○"/>
+              <a:defRPr sz="1200" b="0" i="0" u="none" strike="noStrike" cap="none">
+                <a:solidFill>
+                  <a:schemeClr val="dk1"/>
+                </a:solidFill>
+                <a:latin typeface="Montserrat"/>
+                <a:ea typeface="Montserrat"/>
+                <a:cs typeface="Montserrat"/>
+                <a:sym typeface="Montserrat"/>
+              </a:defRPr>
+            </a:lvl8pPr>
+            <a:lvl9pPr marL="4114800" marR="0" lvl="8" indent="-304800" algn="l" rtl="0">
+              <a:lnSpc>
+                <a:spcPct val="100000"/>
+              </a:lnSpc>
+              <a:spcBef>
+                <a:spcPts val="0"/>
+              </a:spcBef>
+              <a:spcAft>
+                <a:spcPts val="0"/>
+              </a:spcAft>
+              <a:buClr>
+                <a:schemeClr val="dk1"/>
+              </a:buClr>
+              <a:buSzPts val="1200"/>
+              <a:buFont typeface="Nunito Light"/>
+              <a:buChar char="■"/>
+              <a:defRPr sz="1200" b="0" i="0" u="none" strike="noStrike" cap="none">
+                <a:solidFill>
+                  <a:schemeClr val="dk1"/>
+                </a:solidFill>
+                <a:latin typeface="Montserrat"/>
+                <a:ea typeface="Montserrat"/>
+                <a:cs typeface="Montserrat"/>
+                <a:sym typeface="Montserrat"/>
+              </a:defRPr>
+            </a:lvl9pPr>
+          </a:lstStyle>
+          <a:p>
+            <a:pPr marL="152400" indent="0">
+              <a:buNone/>
+            </a:pPr>
+            <a:endParaRPr lang="it-IT" dirty="0"/>
+          </a:p>
+        </p:txBody>
+      </p:sp>
+      <p:pic>
+        <p:nvPicPr>
+          <p:cNvPr id="10" name="Immagine 9">
+            <a:extLst>
+              <a:ext uri="{FF2B5EF4-FFF2-40B4-BE49-F238E27FC236}">
+                <a16:creationId xmlns:a16="http://schemas.microsoft.com/office/drawing/2014/main" id="{6A210E71-DA4B-CEB5-78D7-FE36ABA84895}"/>
+              </a:ext>
+            </a:extLst>
+          </p:cNvPr>
+          <p:cNvPicPr>
+            <a:picLocks noChangeAspect="1"/>
+          </p:cNvPicPr>
+          <p:nvPr/>
+        </p:nvPicPr>
+        <p:blipFill>
+          <a:blip r:embed="rId2"/>
+          <a:stretch>
+            <a:fillRect/>
+          </a:stretch>
+        </p:blipFill>
+        <p:spPr>
+          <a:xfrm>
+            <a:off x="1061970" y="1639394"/>
+            <a:ext cx="4768776" cy="3074693"/>
+          </a:xfrm>
+          <a:prstGeom prst="rect">
+            <a:avLst/>
+          </a:prstGeom>
+        </p:spPr>
+      </p:pic>
+    </p:spTree>
+    <p:extLst>
+      <p:ext uri="{BB962C8B-B14F-4D97-AF65-F5344CB8AC3E}">
+        <p14:creationId xmlns:p14="http://schemas.microsoft.com/office/powerpoint/2010/main" val="1325538920"/>
       </p:ext>
     </p:extLst>
   </p:cSld>

--- a/Progetto_TCM/Progetto3.0/CommuniTEDx_3.0.pptx
+++ b/Progetto_TCM/Progetto3.0/CommuniTEDx_3.0.pptx
@@ -40143,7 +40143,7 @@
             </a:pPr>
             <a:r>
               <a:rPr lang="it-IT" dirty="0"/>
-              <a:t>Nella parte 3 del progetto si è deciso di implementare due delle lambda </a:t>
+              <a:t>La parte 3 del progetto consiste nello sviluppo di Lambda </a:t>
             </a:r>
             <a:r>
               <a:rPr lang="it-IT" dirty="0" err="1"/>
@@ -40151,7 +40151,24 @@
             </a:r>
             <a:r>
               <a:rPr lang="it-IT" dirty="0"/>
-              <a:t> previste nelle fasi precedenti del progetto:</a:t>
+              <a:t> previste nell’architettura del sistema .</a:t>
+            </a:r>
+          </a:p>
+          <a:p>
+            <a:pPr marL="152400" indent="0">
+              <a:buNone/>
+            </a:pPr>
+            <a:r>
+              <a:rPr lang="it-IT" dirty="0"/>
+              <a:t>Si è deciso di implementare due delle Lambda </a:t>
+            </a:r>
+            <a:r>
+              <a:rPr lang="it-IT" dirty="0" err="1"/>
+              <a:t>Functions</a:t>
+            </a:r>
+            <a:r>
+              <a:rPr lang="it-IT" dirty="0"/>
+              <a:t> previste:</a:t>
             </a:r>
           </a:p>
           <a:p>
@@ -40216,11 +40233,11 @@
             </a:pPr>
             <a:r>
               <a:rPr lang="it-IT" dirty="0"/>
-              <a:t>La prima lambda </a:t>
+              <a:t>La prima Lambda </a:t>
             </a:r>
             <a:r>
               <a:rPr lang="it-IT" dirty="0" err="1"/>
-              <a:t>function</a:t>
+              <a:t>Function</a:t>
             </a:r>
             <a:r>
               <a:rPr lang="it-IT" dirty="0"/>
@@ -40241,15 +40258,7 @@
             </a:pPr>
             <a:r>
               <a:rPr lang="it-IT" dirty="0"/>
-              <a:t>La seconda lambda </a:t>
-            </a:r>
-            <a:r>
-              <a:rPr lang="it-IT" dirty="0" err="1"/>
-              <a:t>function</a:t>
-            </a:r>
-            <a:r>
-              <a:rPr lang="it-IT" dirty="0"/>
-              <a:t> seleziona i Talk che rispettano i tags forniti dall’utente</a:t>
+              <a:t>La seconda, seleziona i Talk che rispettano i tags indicati dall’utente</a:t>
             </a:r>
           </a:p>
           <a:p>
@@ -40564,8 +40573,8 @@
         </p:nvSpPr>
         <p:spPr>
           <a:xfrm>
-            <a:off x="6387314" y="1873405"/>
-            <a:ext cx="1998403" cy="2532153"/>
+            <a:off x="6598496" y="1873404"/>
+            <a:ext cx="1998403" cy="1396691"/>
           </a:xfrm>
           <a:prstGeom prst="rect">
             <a:avLst/>
@@ -40897,6 +40906,53 @@
           </a:p>
         </p:txBody>
       </p:sp>
+      <p:cxnSp>
+        <p:nvCxnSpPr>
+          <p:cNvPr id="3" name="Connettore curvo 2">
+            <a:extLst>
+              <a:ext uri="{FF2B5EF4-FFF2-40B4-BE49-F238E27FC236}">
+                <a16:creationId xmlns:a16="http://schemas.microsoft.com/office/drawing/2014/main" id="{B6B4C378-0661-74AD-C88A-D8F8AC4E8585}"/>
+              </a:ext>
+            </a:extLst>
+          </p:cNvPr>
+          <p:cNvCxnSpPr>
+            <a:cxnSpLocks/>
+            <a:endCxn id="8" idx="1"/>
+          </p:cNvCxnSpPr>
+          <p:nvPr/>
+        </p:nvCxnSpPr>
+        <p:spPr>
+          <a:xfrm flipV="1">
+            <a:off x="5835805" y="2571750"/>
+            <a:ext cx="762691" cy="698345"/>
+          </a:xfrm>
+          <a:prstGeom prst="curvedConnector3">
+            <a:avLst>
+              <a:gd name="adj1" fmla="val 50000"/>
+            </a:avLst>
+          </a:prstGeom>
+          <a:ln w="19050">
+            <a:solidFill>
+              <a:srgbClr val="FF0000"/>
+            </a:solidFill>
+            <a:tailEnd type="triangle"/>
+          </a:ln>
+        </p:spPr>
+        <p:style>
+          <a:lnRef idx="1">
+            <a:schemeClr val="accent1"/>
+          </a:lnRef>
+          <a:fillRef idx="0">
+            <a:schemeClr val="accent1"/>
+          </a:fillRef>
+          <a:effectRef idx="0">
+            <a:schemeClr val="accent1"/>
+          </a:effectRef>
+          <a:fontRef idx="minor">
+            <a:schemeClr val="tx1"/>
+          </a:fontRef>
+        </p:style>
+      </p:cxnSp>
     </p:spTree>
     <p:extLst>
       <p:ext uri="{BB962C8B-B14F-4D97-AF65-F5344CB8AC3E}">
@@ -41996,7 +42052,7 @@
             </a:r>
             <a:r>
               <a:rPr lang="it-IT" dirty="0"/>
-              <a:t> viene mappato su attributi specifici, vengono selezionati, quindi, solo gli attributi utili ai fini del progetto</a:t>
+              <a:t> viene mappato su attributi specifici. Vengono selezionati, quindi, solo gli attributi utili ai fini dello sviluppo della relativa funzione.</a:t>
             </a:r>
           </a:p>
         </p:txBody>
@@ -42426,6 +42482,51 @@
           </a:prstGeom>
         </p:spPr>
       </p:pic>
+      <p:cxnSp>
+        <p:nvCxnSpPr>
+          <p:cNvPr id="5" name="Connettore curvo 4">
+            <a:extLst>
+              <a:ext uri="{FF2B5EF4-FFF2-40B4-BE49-F238E27FC236}">
+                <a16:creationId xmlns:a16="http://schemas.microsoft.com/office/drawing/2014/main" id="{21E58CDC-E350-3D4F-2220-DC870D69C1B2}"/>
+              </a:ext>
+            </a:extLst>
+          </p:cNvPr>
+          <p:cNvCxnSpPr>
+            <a:cxnSpLocks/>
+            <a:endCxn id="4" idx="2"/>
+          </p:cNvCxnSpPr>
+          <p:nvPr/>
+        </p:nvCxnSpPr>
+        <p:spPr>
+          <a:xfrm flipV="1">
+            <a:off x="2787805" y="1844551"/>
+            <a:ext cx="1501141" cy="578981"/>
+          </a:xfrm>
+          <a:prstGeom prst="curvedConnector2">
+            <a:avLst/>
+          </a:prstGeom>
+          <a:ln w="19050">
+            <a:solidFill>
+              <a:srgbClr val="FF0000"/>
+            </a:solidFill>
+            <a:tailEnd type="triangle"/>
+          </a:ln>
+        </p:spPr>
+        <p:style>
+          <a:lnRef idx="1">
+            <a:schemeClr val="accent1"/>
+          </a:lnRef>
+          <a:fillRef idx="0">
+            <a:schemeClr val="accent1"/>
+          </a:fillRef>
+          <a:effectRef idx="0">
+            <a:schemeClr val="accent1"/>
+          </a:effectRef>
+          <a:fontRef idx="minor">
+            <a:schemeClr val="tx1"/>
+          </a:fontRef>
+        </p:style>
+      </p:cxnSp>
     </p:spTree>
     <p:extLst>
       <p:ext uri="{BB962C8B-B14F-4D97-AF65-F5344CB8AC3E}">
@@ -44365,7 +44466,7 @@
             </a:pPr>
             <a:r>
               <a:rPr lang="it-IT" dirty="0"/>
-              <a:t>In questo modo vengono specificati gli attributi che vogliono  essere visualizzati:</a:t>
+              <a:t>In questo modo vengono specificati gli attributi che vogliono  essere considerati nella risposta della funzione:</a:t>
             </a:r>
           </a:p>
           <a:p>
@@ -44381,7 +44482,7 @@
             </a:pPr>
             <a:r>
               <a:rPr lang="it-IT" dirty="0"/>
-              <a:t>( 0 ) : non visualizzare</a:t>
+              <a:t>( 0 ) : non considerato</a:t>
             </a:r>
           </a:p>
           <a:p>
@@ -44391,7 +44492,7 @@
             </a:pPr>
             <a:r>
               <a:rPr lang="it-IT" dirty="0"/>
-              <a:t>( 1 ) : visualizzare </a:t>
+              <a:t>( 1 ) : considerato </a:t>
             </a:r>
           </a:p>
         </p:txBody>

--- a/Progetto_TCM/Progetto3.0/CommuniTEDx_3.0.pptx
+++ b/Progetto_TCM/Progetto3.0/CommuniTEDx_3.0.pptx
@@ -40167,9 +40167,10 @@
               <a:t>Functions</a:t>
             </a:r>
             <a:r>
-              <a:rPr lang="it-IT" dirty="0"/>
-              <a:t> previste:</a:t>
+              <a:rPr lang="it-IT"/>
+              <a:t> :</a:t>
             </a:r>
+            <a:endParaRPr lang="it-IT" dirty="0"/>
           </a:p>
           <a:p>
             <a:pPr marL="152400" indent="0">

--- a/Progetto_TCM/Progetto3.0/CommuniTEDx_3.0.pptx
+++ b/Progetto_TCM/Progetto3.0/CommuniTEDx_3.0.pptx
@@ -38360,8 +38360,8 @@
         </p:nvSpPr>
         <p:spPr>
           <a:xfrm>
-            <a:off x="742642" y="1870061"/>
-            <a:ext cx="6138811" cy="1031548"/>
+            <a:off x="742642" y="1870060"/>
+            <a:ext cx="6138811" cy="1629041"/>
           </a:xfrm>
           <a:prstGeom prst="rect">
             <a:avLst/>
@@ -38383,7 +38383,7 @@
             </a:pPr>
             <a:r>
               <a:rPr lang="en" sz="3200" dirty="0"/>
-              <a:t>Sviluppo delle Lambda Functions</a:t>
+              <a:t>Sviluppo delle Lambda Functions e utilizzo API Gateway in AWS </a:t>
             </a:r>
           </a:p>
         </p:txBody>
@@ -40143,11 +40143,11 @@
             </a:pPr>
             <a:r>
               <a:rPr lang="it-IT" dirty="0"/>
-              <a:t>La parte 3 del progetto consiste nello sviluppo di Lambda </a:t>
+              <a:t>La terza parte del progetto consiste nello sviluppo di Lambda </a:t>
             </a:r>
             <a:r>
               <a:rPr lang="it-IT" dirty="0" err="1"/>
-              <a:t>functions</a:t>
+              <a:t>Functions</a:t>
             </a:r>
             <a:r>
               <a:rPr lang="it-IT" dirty="0"/>
@@ -40167,10 +40167,9 @@
               <a:t>Functions</a:t>
             </a:r>
             <a:r>
-              <a:rPr lang="it-IT"/>
+              <a:rPr lang="it-IT" dirty="0"/>
               <a:t> :</a:t>
             </a:r>
-            <a:endParaRPr lang="it-IT" dirty="0"/>
           </a:p>
           <a:p>
             <a:pPr marL="152400" indent="0">
@@ -42053,7 +42052,7 @@
             </a:r>
             <a:r>
               <a:rPr lang="it-IT" dirty="0"/>
-              <a:t> viene mappato su attributi specifici. Vengono selezionati, quindi, solo gli attributi utili ai fini dello sviluppo della relativa funzione.</a:t>
+              <a:t> viene mappato su attributi specifici e vengono selezionati solo quelli utili ai fini dello sviluppo della relativa funzione.</a:t>
             </a:r>
           </a:p>
         </p:txBody>
@@ -42440,15 +42439,15 @@
             </a:pPr>
             <a:r>
               <a:rPr lang="it-IT" dirty="0"/>
-              <a:t>Prima di tutto viene svolto un controllo sull’ </a:t>
+              <a:t>Inizialmente viene svolto un controllo </a:t>
             </a:r>
             <a:r>
               <a:rPr lang="it-IT" dirty="0" err="1"/>
-              <a:t>url</a:t>
+              <a:t>sull’url</a:t>
             </a:r>
             <a:r>
               <a:rPr lang="it-IT" dirty="0"/>
-              <a:t> in modo che nella richiesta venga specificato, altrimenti viene sollevato un errore </a:t>
+              <a:t> in modo che nella richiesta venga specificato, altrimenti viene sollevato un errore gestito dall’Handler</a:t>
             </a:r>
           </a:p>
         </p:txBody>
@@ -43838,7 +43837,7 @@
             </a:pPr>
             <a:r>
               <a:rPr lang="it-IT" dirty="0"/>
-              <a:t>Infine vengono elaborati i dati presenti su </a:t>
+              <a:t>Infine nel corpo dell’Handler vengono elaborati i dati presenti su </a:t>
             </a:r>
             <a:r>
               <a:rPr lang="it-IT" dirty="0" err="1"/>
@@ -44467,7 +44466,7 @@
             </a:pPr>
             <a:r>
               <a:rPr lang="it-IT" dirty="0"/>
-              <a:t>In questo modo vengono specificati gli attributi che vogliono  essere considerati nella risposta della funzione:</a:t>
+              <a:t>Con questa tecnica vengono specificati gli attributi che vogliono  essere considerati nella risposta della funzione:</a:t>
             </a:r>
           </a:p>
           <a:p>
@@ -45770,8 +45769,8 @@
         </p:nvSpPr>
         <p:spPr>
           <a:xfrm>
-            <a:off x="556448" y="1411324"/>
-            <a:ext cx="3063981" cy="388343"/>
+            <a:off x="556448" y="1484873"/>
+            <a:ext cx="2991424" cy="291168"/>
           </a:xfrm>
         </p:spPr>
         <p:txBody>
@@ -46481,7 +46480,7 @@
         <p:spPr>
           <a:xfrm>
             <a:off x="6081761" y="2224226"/>
-            <a:ext cx="2073497" cy="1425011"/>
+            <a:ext cx="2477023" cy="1425011"/>
           </a:xfrm>
           <a:prstGeom prst="rect">
             <a:avLst/>
@@ -46748,7 +46747,7 @@
             </a:pPr>
             <a:r>
               <a:rPr lang="it-IT" dirty="0"/>
-              <a:t>Importante, in questo caso fare un controllo su tag e tag1.</a:t>
+              <a:t>In questo caso è importante fare un controllo su tag e tag1.</a:t>
             </a:r>
           </a:p>
           <a:p>
@@ -46757,7 +46756,7 @@
             </a:pPr>
             <a:r>
               <a:rPr lang="it-IT" dirty="0"/>
-              <a:t>Se almeno uno dei due non è specificato, viene sollevato un errore</a:t>
+              <a:t>Se almeno uno dei due non è specificato, viene sollevato e gestito un errore </a:t>
             </a:r>
           </a:p>
         </p:txBody>
@@ -46917,7 +46916,7 @@
         <p:spPr>
           <a:xfrm>
             <a:off x="630790" y="817756"/>
-            <a:ext cx="6126849" cy="676507"/>
+            <a:ext cx="6660026" cy="676507"/>
           </a:xfrm>
           <a:prstGeom prst="rect">
             <a:avLst/>
@@ -47767,7 +47766,7 @@
             </a:pPr>
             <a:r>
               <a:rPr lang="it-IT" dirty="0"/>
-              <a:t>In questo caso si è scelto di non visualizzare i dati relativi ai video suggeriti e l’id del video stesso</a:t>
+              <a:t>Si è scelto di non visualizzare i dati relativi ai video suggeriti e nemmeno l’id del video stesso</a:t>
             </a:r>
           </a:p>
         </p:txBody>
